--- a/assets/plots.pptx
+++ b/assets/plots.pptx
@@ -6,6 +6,8 @@
   </p:sldMasterIdLst>
   <p:sldIdLst>
     <p:sldId id="256" r:id="rId2"/>
+    <p:sldId id="257" r:id="rId3"/>
+    <p:sldId id="258" r:id="rId4"/>
   </p:sldIdLst>
   <p:sldSz cx="12192000" cy="6858000"/>
   <p:notesSz cx="6858000" cy="9144000"/>
@@ -104,6 +106,11 @@
       </a:defRPr>
     </a:lvl9pPr>
   </p:defaultTextStyle>
+  <p:extLst>
+    <p:ext uri="{EFAFB233-063F-42B5-8137-9DF3F51BA10A}">
+      <p15:sldGuideLst xmlns:p15="http://schemas.microsoft.com/office/powerpoint/2012/main"/>
+    </p:ext>
+  </p:extLst>
 </p:presentation>
 </file>
 
@@ -254,7 +261,7 @@
           <a:p>
             <a:fld id="{FBE992BE-B548-416C-8EE5-318E56F423E8}" type="datetimeFigureOut">
               <a:rPr lang="zh-CN" altLang="en-US" smtClean="0"/>
-              <a:t>2025/3/12</a:t>
+              <a:t>2025/4/11</a:t>
             </a:fld>
             <a:endParaRPr lang="zh-CN" altLang="en-US"/>
           </a:p>
@@ -452,7 +459,7 @@
           <a:p>
             <a:fld id="{FBE992BE-B548-416C-8EE5-318E56F423E8}" type="datetimeFigureOut">
               <a:rPr lang="zh-CN" altLang="en-US" smtClean="0"/>
-              <a:t>2025/3/12</a:t>
+              <a:t>2025/4/11</a:t>
             </a:fld>
             <a:endParaRPr lang="zh-CN" altLang="en-US"/>
           </a:p>
@@ -660,7 +667,7 @@
           <a:p>
             <a:fld id="{FBE992BE-B548-416C-8EE5-318E56F423E8}" type="datetimeFigureOut">
               <a:rPr lang="zh-CN" altLang="en-US" smtClean="0"/>
-              <a:t>2025/3/12</a:t>
+              <a:t>2025/4/11</a:t>
             </a:fld>
             <a:endParaRPr lang="zh-CN" altLang="en-US"/>
           </a:p>
@@ -858,7 +865,7 @@
           <a:p>
             <a:fld id="{FBE992BE-B548-416C-8EE5-318E56F423E8}" type="datetimeFigureOut">
               <a:rPr lang="zh-CN" altLang="en-US" smtClean="0"/>
-              <a:t>2025/3/12</a:t>
+              <a:t>2025/4/11</a:t>
             </a:fld>
             <a:endParaRPr lang="zh-CN" altLang="en-US"/>
           </a:p>
@@ -1133,7 +1140,7 @@
           <a:p>
             <a:fld id="{FBE992BE-B548-416C-8EE5-318E56F423E8}" type="datetimeFigureOut">
               <a:rPr lang="zh-CN" altLang="en-US" smtClean="0"/>
-              <a:t>2025/3/12</a:t>
+              <a:t>2025/4/11</a:t>
             </a:fld>
             <a:endParaRPr lang="zh-CN" altLang="en-US"/>
           </a:p>
@@ -1398,7 +1405,7 @@
           <a:p>
             <a:fld id="{FBE992BE-B548-416C-8EE5-318E56F423E8}" type="datetimeFigureOut">
               <a:rPr lang="zh-CN" altLang="en-US" smtClean="0"/>
-              <a:t>2025/3/12</a:t>
+              <a:t>2025/4/11</a:t>
             </a:fld>
             <a:endParaRPr lang="zh-CN" altLang="en-US"/>
           </a:p>
@@ -1810,7 +1817,7 @@
           <a:p>
             <a:fld id="{FBE992BE-B548-416C-8EE5-318E56F423E8}" type="datetimeFigureOut">
               <a:rPr lang="zh-CN" altLang="en-US" smtClean="0"/>
-              <a:t>2025/3/12</a:t>
+              <a:t>2025/4/11</a:t>
             </a:fld>
             <a:endParaRPr lang="zh-CN" altLang="en-US"/>
           </a:p>
@@ -1951,7 +1958,7 @@
           <a:p>
             <a:fld id="{FBE992BE-B548-416C-8EE5-318E56F423E8}" type="datetimeFigureOut">
               <a:rPr lang="zh-CN" altLang="en-US" smtClean="0"/>
-              <a:t>2025/3/12</a:t>
+              <a:t>2025/4/11</a:t>
             </a:fld>
             <a:endParaRPr lang="zh-CN" altLang="en-US"/>
           </a:p>
@@ -2064,7 +2071,7 @@
           <a:p>
             <a:fld id="{FBE992BE-B548-416C-8EE5-318E56F423E8}" type="datetimeFigureOut">
               <a:rPr lang="zh-CN" altLang="en-US" smtClean="0"/>
-              <a:t>2025/3/12</a:t>
+              <a:t>2025/4/11</a:t>
             </a:fld>
             <a:endParaRPr lang="zh-CN" altLang="en-US"/>
           </a:p>
@@ -2375,7 +2382,7 @@
           <a:p>
             <a:fld id="{FBE992BE-B548-416C-8EE5-318E56F423E8}" type="datetimeFigureOut">
               <a:rPr lang="zh-CN" altLang="en-US" smtClean="0"/>
-              <a:t>2025/3/12</a:t>
+              <a:t>2025/4/11</a:t>
             </a:fld>
             <a:endParaRPr lang="zh-CN" altLang="en-US"/>
           </a:p>
@@ -2663,7 +2670,7 @@
           <a:p>
             <a:fld id="{FBE992BE-B548-416C-8EE5-318E56F423E8}" type="datetimeFigureOut">
               <a:rPr lang="zh-CN" altLang="en-US" smtClean="0"/>
-              <a:t>2025/3/12</a:t>
+              <a:t>2025/4/11</a:t>
             </a:fld>
             <a:endParaRPr lang="zh-CN" altLang="en-US"/>
           </a:p>
@@ -2904,7 +2911,7 @@
           <a:p>
             <a:fld id="{FBE992BE-B548-416C-8EE5-318E56F423E8}" type="datetimeFigureOut">
               <a:rPr lang="zh-CN" altLang="en-US" smtClean="0"/>
-              <a:t>2025/3/12</a:t>
+              <a:t>2025/4/11</a:t>
             </a:fld>
             <a:endParaRPr lang="zh-CN" altLang="en-US"/>
           </a:p>
@@ -3305,7 +3312,7 @@
 </file>
 
 <file path=ppt/slides/slide1.xml><?xml version="1.0" encoding="utf-8"?>
-<p:sld xmlns:a="http://schemas.openxmlformats.org/drawingml/2006/main" xmlns:r="http://schemas.openxmlformats.org/officeDocument/2006/relationships" xmlns:p="http://schemas.openxmlformats.org/presentationml/2006/main">
+<p:sld xmlns:a="http://schemas.openxmlformats.org/drawingml/2006/main" xmlns:r="http://schemas.openxmlformats.org/officeDocument/2006/relationships" xmlns:p="http://schemas.openxmlformats.org/presentationml/2006/main" show="0">
   <p:cSld>
     <p:bg>
       <p:bgPr>
@@ -4381,6 +4388,1499 @@
     <p:extLst>
       <p:ext uri="{BB962C8B-B14F-4D97-AF65-F5344CB8AC3E}">
         <p14:creationId xmlns:p14="http://schemas.microsoft.com/office/powerpoint/2010/main" val="1295512801"/>
+      </p:ext>
+    </p:extLst>
+  </p:cSld>
+  <p:clrMapOvr>
+    <a:masterClrMapping/>
+  </p:clrMapOvr>
+</p:sld>
+</file>
+
+<file path=ppt/slides/slide2.xml><?xml version="1.0" encoding="utf-8"?>
+<p:sld xmlns:a="http://schemas.openxmlformats.org/drawingml/2006/main" xmlns:r="http://schemas.openxmlformats.org/officeDocument/2006/relationships" xmlns:p="http://schemas.openxmlformats.org/presentationml/2006/main">
+  <p:cSld>
+    <p:bg>
+      <p:bgPr>
+        <a:solidFill>
+          <a:srgbClr val="262930"/>
+        </a:solidFill>
+        <a:effectLst/>
+      </p:bgPr>
+    </p:bg>
+    <p:spTree>
+      <p:nvGrpSpPr>
+        <p:cNvPr id="1" name="">
+          <a:extLst>
+            <a:ext uri="{FF2B5EF4-FFF2-40B4-BE49-F238E27FC236}">
+              <a16:creationId xmlns:a16="http://schemas.microsoft.com/office/drawing/2014/main" id="{F341805D-2222-36AB-18D9-10665DDAD010}"/>
+            </a:ext>
+          </a:extLst>
+        </p:cNvPr>
+        <p:cNvGrpSpPr/>
+        <p:nvPr/>
+      </p:nvGrpSpPr>
+      <p:grpSpPr>
+        <a:xfrm>
+          <a:off x="0" y="0"/>
+          <a:ext cx="0" cy="0"/>
+          <a:chOff x="0" y="0"/>
+          <a:chExt cx="0" cy="0"/>
+        </a:xfrm>
+      </p:grpSpPr>
+      <p:pic>
+        <p:nvPicPr>
+          <p:cNvPr id="12" name="图片 11">
+            <a:extLst>
+              <a:ext uri="{FF2B5EF4-FFF2-40B4-BE49-F238E27FC236}">
+                <a16:creationId xmlns:a16="http://schemas.microsoft.com/office/drawing/2014/main" id="{06001E77-BBAB-C9E3-0579-C091BA5122F0}"/>
+              </a:ext>
+            </a:extLst>
+          </p:cNvPr>
+          <p:cNvPicPr>
+            <a:picLocks noChangeAspect="1"/>
+          </p:cNvPicPr>
+          <p:nvPr/>
+        </p:nvPicPr>
+        <p:blipFill>
+          <a:blip r:embed="rId2"/>
+          <a:stretch>
+            <a:fillRect/>
+          </a:stretch>
+        </p:blipFill>
+        <p:spPr>
+          <a:xfrm>
+            <a:off x="608313" y="0"/>
+            <a:ext cx="10975373" cy="6858000"/>
+          </a:xfrm>
+          <a:prstGeom prst="rect">
+            <a:avLst/>
+          </a:prstGeom>
+        </p:spPr>
+      </p:pic>
+      <p:sp>
+        <p:nvSpPr>
+          <p:cNvPr id="17" name="矩形 16">
+            <a:extLst>
+              <a:ext uri="{FF2B5EF4-FFF2-40B4-BE49-F238E27FC236}">
+                <a16:creationId xmlns:a16="http://schemas.microsoft.com/office/drawing/2014/main" id="{FAC08124-4852-D5AE-DE51-454247F6BF9C}"/>
+              </a:ext>
+            </a:extLst>
+          </p:cNvPr>
+          <p:cNvSpPr/>
+          <p:nvPr/>
+        </p:nvSpPr>
+        <p:spPr>
+          <a:xfrm>
+            <a:off x="672625" y="3506820"/>
+            <a:ext cx="2457201" cy="909286"/>
+          </a:xfrm>
+          <a:prstGeom prst="rect">
+            <a:avLst/>
+          </a:prstGeom>
+          <a:noFill/>
+          <a:ln>
+            <a:solidFill>
+              <a:srgbClr val="FF0000"/>
+            </a:solidFill>
+          </a:ln>
+        </p:spPr>
+        <p:style>
+          <a:lnRef idx="2">
+            <a:schemeClr val="accent1">
+              <a:shade val="15000"/>
+            </a:schemeClr>
+          </a:lnRef>
+          <a:fillRef idx="1">
+            <a:schemeClr val="accent1"/>
+          </a:fillRef>
+          <a:effectRef idx="0">
+            <a:schemeClr val="accent1"/>
+          </a:effectRef>
+          <a:fontRef idx="minor">
+            <a:schemeClr val="lt1"/>
+          </a:fontRef>
+        </p:style>
+        <p:txBody>
+          <a:bodyPr rtlCol="0" anchor="ctr"/>
+          <a:lstStyle/>
+          <a:p>
+            <a:pPr algn="ctr"/>
+            <a:endParaRPr lang="zh-CN" altLang="en-US"/>
+          </a:p>
+        </p:txBody>
+      </p:sp>
+      <p:cxnSp>
+        <p:nvCxnSpPr>
+          <p:cNvPr id="18" name="连接符: 曲线 17">
+            <a:extLst>
+              <a:ext uri="{FF2B5EF4-FFF2-40B4-BE49-F238E27FC236}">
+                <a16:creationId xmlns:a16="http://schemas.microsoft.com/office/drawing/2014/main" id="{0E2A1C5B-7063-E276-A141-E46D59379649}"/>
+              </a:ext>
+            </a:extLst>
+          </p:cNvPr>
+          <p:cNvCxnSpPr>
+            <a:cxnSpLocks/>
+          </p:cNvCxnSpPr>
+          <p:nvPr/>
+        </p:nvCxnSpPr>
+        <p:spPr>
+          <a:xfrm rot="16200000" flipV="1">
+            <a:off x="2713165" y="4432545"/>
+            <a:ext cx="833323" cy="699609"/>
+          </a:xfrm>
+          <a:prstGeom prst="curvedConnector3">
+            <a:avLst>
+              <a:gd name="adj1" fmla="val 50000"/>
+            </a:avLst>
+          </a:prstGeom>
+          <a:ln w="12700">
+            <a:solidFill>
+              <a:srgbClr val="FF0000"/>
+            </a:solidFill>
+            <a:tailEnd type="triangle"/>
+          </a:ln>
+        </p:spPr>
+        <p:style>
+          <a:lnRef idx="1">
+            <a:schemeClr val="accent1"/>
+          </a:lnRef>
+          <a:fillRef idx="0">
+            <a:schemeClr val="accent1"/>
+          </a:fillRef>
+          <a:effectRef idx="0">
+            <a:schemeClr val="accent1"/>
+          </a:effectRef>
+          <a:fontRef idx="minor">
+            <a:schemeClr val="tx1"/>
+          </a:fontRef>
+        </p:style>
+      </p:cxnSp>
+      <p:sp>
+        <p:nvSpPr>
+          <p:cNvPr id="23" name="文本框 22">
+            <a:extLst>
+              <a:ext uri="{FF2B5EF4-FFF2-40B4-BE49-F238E27FC236}">
+                <a16:creationId xmlns:a16="http://schemas.microsoft.com/office/drawing/2014/main" id="{8B45A339-11A9-AE42-4CCD-A34FCF9FCE37}"/>
+              </a:ext>
+            </a:extLst>
+          </p:cNvPr>
+          <p:cNvSpPr txBox="1"/>
+          <p:nvPr/>
+        </p:nvSpPr>
+        <p:spPr>
+          <a:xfrm>
+            <a:off x="3043762" y="139375"/>
+            <a:ext cx="4383886" cy="646331"/>
+          </a:xfrm>
+          <a:prstGeom prst="rect">
+            <a:avLst/>
+          </a:prstGeom>
+          <a:noFill/>
+        </p:spPr>
+        <p:txBody>
+          <a:bodyPr wrap="square" rtlCol="0">
+            <a:spAutoFit/>
+          </a:bodyPr>
+          <a:lstStyle/>
+          <a:p>
+            <a:r>
+              <a:rPr lang="en-US" altLang="zh-CN" sz="1200" dirty="0">
+                <a:solidFill>
+                  <a:srgbClr val="FF0000"/>
+                </a:solidFill>
+                <a:latin typeface="Arial" panose="020B0604020202020204" pitchFamily="34" charset="0"/>
+                <a:cs typeface="Arial" panose="020B0604020202020204" pitchFamily="34" charset="0"/>
+              </a:rPr>
+              <a:t>Add points of interest by clicking here first, then annotate the images (viewers). The annotation points will record their coordinates and timestamps.</a:t>
+            </a:r>
+            <a:endParaRPr lang="zh-CN" altLang="en-US" sz="1200" dirty="0">
+              <a:solidFill>
+                <a:srgbClr val="FF0000"/>
+              </a:solidFill>
+              <a:latin typeface="Arial" panose="020B0604020202020204" pitchFamily="34" charset="0"/>
+              <a:cs typeface="Arial" panose="020B0604020202020204" pitchFamily="34" charset="0"/>
+            </a:endParaRPr>
+          </a:p>
+        </p:txBody>
+      </p:sp>
+      <p:sp>
+        <p:nvSpPr>
+          <p:cNvPr id="24" name="矩形 23">
+            <a:extLst>
+              <a:ext uri="{FF2B5EF4-FFF2-40B4-BE49-F238E27FC236}">
+                <a16:creationId xmlns:a16="http://schemas.microsoft.com/office/drawing/2014/main" id="{F5E3BA91-4AA8-06F1-B607-30323E9BA334}"/>
+              </a:ext>
+            </a:extLst>
+          </p:cNvPr>
+          <p:cNvSpPr/>
+          <p:nvPr/>
+        </p:nvSpPr>
+        <p:spPr>
+          <a:xfrm>
+            <a:off x="1897191" y="271319"/>
+            <a:ext cx="423693" cy="320791"/>
+          </a:xfrm>
+          <a:prstGeom prst="rect">
+            <a:avLst/>
+          </a:prstGeom>
+          <a:noFill/>
+          <a:ln>
+            <a:solidFill>
+              <a:srgbClr val="FF0000"/>
+            </a:solidFill>
+          </a:ln>
+        </p:spPr>
+        <p:style>
+          <a:lnRef idx="2">
+            <a:schemeClr val="accent1">
+              <a:shade val="15000"/>
+            </a:schemeClr>
+          </a:lnRef>
+          <a:fillRef idx="1">
+            <a:schemeClr val="accent1"/>
+          </a:fillRef>
+          <a:effectRef idx="0">
+            <a:schemeClr val="accent1"/>
+          </a:effectRef>
+          <a:fontRef idx="minor">
+            <a:schemeClr val="lt1"/>
+          </a:fontRef>
+        </p:style>
+        <p:txBody>
+          <a:bodyPr rtlCol="0" anchor="ctr"/>
+          <a:lstStyle/>
+          <a:p>
+            <a:pPr algn="ctr"/>
+            <a:endParaRPr lang="zh-CN" altLang="en-US"/>
+          </a:p>
+        </p:txBody>
+      </p:sp>
+      <p:cxnSp>
+        <p:nvCxnSpPr>
+          <p:cNvPr id="25" name="连接符: 曲线 24">
+            <a:extLst>
+              <a:ext uri="{FF2B5EF4-FFF2-40B4-BE49-F238E27FC236}">
+                <a16:creationId xmlns:a16="http://schemas.microsoft.com/office/drawing/2014/main" id="{B3058398-6847-5AEC-1F10-8D303E5D58C2}"/>
+              </a:ext>
+            </a:extLst>
+          </p:cNvPr>
+          <p:cNvCxnSpPr>
+            <a:cxnSpLocks/>
+            <a:endCxn id="24" idx="0"/>
+          </p:cNvCxnSpPr>
+          <p:nvPr/>
+        </p:nvCxnSpPr>
+        <p:spPr>
+          <a:xfrm rot="10800000">
+            <a:off x="2109038" y="271319"/>
+            <a:ext cx="927322" cy="103188"/>
+          </a:xfrm>
+          <a:prstGeom prst="curvedConnector4">
+            <a:avLst>
+              <a:gd name="adj1" fmla="val 38578"/>
+              <a:gd name="adj2" fmla="val 321537"/>
+            </a:avLst>
+          </a:prstGeom>
+          <a:ln w="12700">
+            <a:solidFill>
+              <a:srgbClr val="FF0000"/>
+            </a:solidFill>
+            <a:tailEnd type="triangle"/>
+          </a:ln>
+        </p:spPr>
+        <p:style>
+          <a:lnRef idx="1">
+            <a:schemeClr val="accent1"/>
+          </a:lnRef>
+          <a:fillRef idx="0">
+            <a:schemeClr val="accent1"/>
+          </a:fillRef>
+          <a:effectRef idx="0">
+            <a:schemeClr val="accent1"/>
+          </a:effectRef>
+          <a:fontRef idx="minor">
+            <a:schemeClr val="tx1"/>
+          </a:fontRef>
+        </p:style>
+      </p:cxnSp>
+      <p:sp>
+        <p:nvSpPr>
+          <p:cNvPr id="34" name="文本框 33">
+            <a:extLst>
+              <a:ext uri="{FF2B5EF4-FFF2-40B4-BE49-F238E27FC236}">
+                <a16:creationId xmlns:a16="http://schemas.microsoft.com/office/drawing/2014/main" id="{E89D585F-300D-C590-D19C-F4415355904D}"/>
+              </a:ext>
+            </a:extLst>
+          </p:cNvPr>
+          <p:cNvSpPr txBox="1"/>
+          <p:nvPr/>
+        </p:nvSpPr>
+        <p:spPr>
+          <a:xfrm>
+            <a:off x="9453069" y="1767873"/>
+            <a:ext cx="2130617" cy="1938992"/>
+          </a:xfrm>
+          <a:prstGeom prst="rect">
+            <a:avLst/>
+          </a:prstGeom>
+          <a:noFill/>
+        </p:spPr>
+        <p:txBody>
+          <a:bodyPr wrap="square" rtlCol="0">
+            <a:spAutoFit/>
+          </a:bodyPr>
+          <a:lstStyle/>
+          <a:p>
+            <a:r>
+              <a:rPr lang="en-US" altLang="zh-CN" sz="1200" b="1" dirty="0">
+                <a:solidFill>
+                  <a:srgbClr val="FF0000"/>
+                </a:solidFill>
+                <a:latin typeface="Arial" panose="020B0604020202020204" pitchFamily="34" charset="0"/>
+                <a:cs typeface="Arial" panose="020B0604020202020204" pitchFamily="34" charset="0"/>
+              </a:rPr>
+              <a:t>VIDEO RECORDING OPERATIONS</a:t>
+            </a:r>
+            <a:r>
+              <a:rPr lang="en-US" altLang="zh-CN" sz="1200" dirty="0">
+                <a:solidFill>
+                  <a:srgbClr val="FF0000"/>
+                </a:solidFill>
+                <a:latin typeface="Arial" panose="020B0604020202020204" pitchFamily="34" charset="0"/>
+                <a:cs typeface="Arial" panose="020B0604020202020204" pitchFamily="34" charset="0"/>
+              </a:rPr>
+              <a:t>:</a:t>
+            </a:r>
+          </a:p>
+          <a:p>
+            <a:r>
+              <a:rPr lang="en-US" altLang="zh-CN" sz="1200" u="sng" dirty="0">
+                <a:solidFill>
+                  <a:srgbClr val="FF0000"/>
+                </a:solidFill>
+                <a:latin typeface="Arial" panose="020B0604020202020204" pitchFamily="34" charset="0"/>
+                <a:cs typeface="Arial" panose="020B0604020202020204" pitchFamily="34" charset="0"/>
+              </a:rPr>
+              <a:t>Press the “M" key </a:t>
+            </a:r>
+            <a:r>
+              <a:rPr lang="en-US" altLang="zh-CN" sz="1200" dirty="0">
+                <a:solidFill>
+                  <a:srgbClr val="FF0000"/>
+                </a:solidFill>
+                <a:latin typeface="Arial" panose="020B0604020202020204" pitchFamily="34" charset="0"/>
+                <a:cs typeface="Arial" panose="020B0604020202020204" pitchFamily="34" charset="0"/>
+              </a:rPr>
+              <a:t>to enter </a:t>
+            </a:r>
+            <a:r>
+              <a:rPr lang="en-US" altLang="zh-CN" sz="1200" u="sng" dirty="0">
+                <a:solidFill>
+                  <a:srgbClr val="FF0000"/>
+                </a:solidFill>
+                <a:latin typeface="Arial" panose="020B0604020202020204" pitchFamily="34" charset="0"/>
+                <a:cs typeface="Arial" panose="020B0604020202020204" pitchFamily="34" charset="0"/>
+              </a:rPr>
+              <a:t>recording mode</a:t>
+            </a:r>
+            <a:r>
+              <a:rPr lang="en-US" altLang="zh-CN" sz="1200" dirty="0">
+                <a:solidFill>
+                  <a:srgbClr val="FF0000"/>
+                </a:solidFill>
+                <a:latin typeface="Arial" panose="020B0604020202020204" pitchFamily="34" charset="0"/>
+                <a:cs typeface="Arial" panose="020B0604020202020204" pitchFamily="34" charset="0"/>
+              </a:rPr>
+              <a:t>, during which all audio will be recorded. </a:t>
+            </a:r>
+            <a:r>
+              <a:rPr lang="en-US" altLang="zh-CN" sz="1200" u="sng" dirty="0">
+                <a:solidFill>
+                  <a:srgbClr val="FF0000"/>
+                </a:solidFill>
+                <a:latin typeface="Arial" panose="020B0604020202020204" pitchFamily="34" charset="0"/>
+                <a:cs typeface="Arial" panose="020B0604020202020204" pitchFamily="34" charset="0"/>
+              </a:rPr>
+              <a:t>Press “M" again to exit recording mode</a:t>
+            </a:r>
+            <a:r>
+              <a:rPr lang="en-US" altLang="zh-CN" sz="1200" dirty="0">
+                <a:solidFill>
+                  <a:srgbClr val="FF0000"/>
+                </a:solidFill>
+                <a:latin typeface="Arial" panose="020B0604020202020204" pitchFamily="34" charset="0"/>
+                <a:cs typeface="Arial" panose="020B0604020202020204" pitchFamily="34" charset="0"/>
+              </a:rPr>
+              <a:t>. The recorded video and audio will be saved automatically as follows for example.</a:t>
+            </a:r>
+            <a:endParaRPr lang="zh-CN" altLang="en-US" sz="1200" dirty="0">
+              <a:solidFill>
+                <a:srgbClr val="FF0000"/>
+              </a:solidFill>
+              <a:latin typeface="Arial" panose="020B0604020202020204" pitchFamily="34" charset="0"/>
+              <a:cs typeface="Arial" panose="020B0604020202020204" pitchFamily="34" charset="0"/>
+            </a:endParaRPr>
+          </a:p>
+        </p:txBody>
+      </p:sp>
+      <p:pic>
+        <p:nvPicPr>
+          <p:cNvPr id="35" name="图片 34">
+            <a:extLst>
+              <a:ext uri="{FF2B5EF4-FFF2-40B4-BE49-F238E27FC236}">
+                <a16:creationId xmlns:a16="http://schemas.microsoft.com/office/drawing/2014/main" id="{852D398F-2FF6-C7C9-73E6-3C5CD6E30BC6}"/>
+              </a:ext>
+            </a:extLst>
+          </p:cNvPr>
+          <p:cNvPicPr>
+            <a:picLocks noChangeAspect="1"/>
+          </p:cNvPicPr>
+          <p:nvPr/>
+        </p:nvPicPr>
+        <p:blipFill>
+          <a:blip r:embed="rId3"/>
+          <a:stretch>
+            <a:fillRect/>
+          </a:stretch>
+        </p:blipFill>
+        <p:spPr>
+          <a:xfrm>
+            <a:off x="6971967" y="829672"/>
+            <a:ext cx="4337688" cy="830997"/>
+          </a:xfrm>
+          <a:prstGeom prst="rect">
+            <a:avLst/>
+          </a:prstGeom>
+          <a:ln>
+            <a:solidFill>
+              <a:schemeClr val="bg1"/>
+            </a:solidFill>
+          </a:ln>
+        </p:spPr>
+      </p:pic>
+      <p:sp>
+        <p:nvSpPr>
+          <p:cNvPr id="36" name="矩形 35">
+            <a:extLst>
+              <a:ext uri="{FF2B5EF4-FFF2-40B4-BE49-F238E27FC236}">
+                <a16:creationId xmlns:a16="http://schemas.microsoft.com/office/drawing/2014/main" id="{C9F85033-EDC0-0A7A-4563-5576C8FE8E45}"/>
+              </a:ext>
+            </a:extLst>
+          </p:cNvPr>
+          <p:cNvSpPr/>
+          <p:nvPr/>
+        </p:nvSpPr>
+        <p:spPr>
+          <a:xfrm>
+            <a:off x="3699449" y="1804864"/>
+            <a:ext cx="5426140" cy="4033978"/>
+          </a:xfrm>
+          <a:prstGeom prst="rect">
+            <a:avLst/>
+          </a:prstGeom>
+          <a:noFill/>
+          <a:ln>
+            <a:solidFill>
+              <a:schemeClr val="bg1"/>
+            </a:solidFill>
+          </a:ln>
+        </p:spPr>
+        <p:style>
+          <a:lnRef idx="2">
+            <a:schemeClr val="accent1">
+              <a:shade val="15000"/>
+            </a:schemeClr>
+          </a:lnRef>
+          <a:fillRef idx="1">
+            <a:schemeClr val="accent1"/>
+          </a:fillRef>
+          <a:effectRef idx="0">
+            <a:schemeClr val="accent1"/>
+          </a:effectRef>
+          <a:fontRef idx="minor">
+            <a:schemeClr val="lt1"/>
+          </a:fontRef>
+        </p:style>
+        <p:txBody>
+          <a:bodyPr rtlCol="0" anchor="ctr"/>
+          <a:lstStyle/>
+          <a:p>
+            <a:pPr algn="ctr"/>
+            <a:endParaRPr lang="zh-CN" altLang="en-US"/>
+          </a:p>
+        </p:txBody>
+      </p:sp>
+      <p:sp>
+        <p:nvSpPr>
+          <p:cNvPr id="33" name="文本框 32">
+            <a:extLst>
+              <a:ext uri="{FF2B5EF4-FFF2-40B4-BE49-F238E27FC236}">
+                <a16:creationId xmlns:a16="http://schemas.microsoft.com/office/drawing/2014/main" id="{CC751646-B578-DDCD-DF53-70BF44762A5C}"/>
+              </a:ext>
+            </a:extLst>
+          </p:cNvPr>
+          <p:cNvSpPr txBox="1"/>
+          <p:nvPr/>
+        </p:nvSpPr>
+        <p:spPr>
+          <a:xfrm>
+            <a:off x="1861661" y="1927433"/>
+            <a:ext cx="2536329" cy="461665"/>
+          </a:xfrm>
+          <a:prstGeom prst="rect">
+            <a:avLst/>
+          </a:prstGeom>
+          <a:noFill/>
+        </p:spPr>
+        <p:txBody>
+          <a:bodyPr wrap="square" rtlCol="0">
+            <a:spAutoFit/>
+          </a:bodyPr>
+          <a:lstStyle/>
+          <a:p>
+            <a:r>
+              <a:rPr lang="en-US" altLang="zh-CN" sz="1200" dirty="0">
+                <a:solidFill>
+                  <a:srgbClr val="FF0000"/>
+                </a:solidFill>
+                <a:latin typeface="Arial" panose="020B0604020202020204" pitchFamily="34" charset="0"/>
+                <a:cs typeface="Arial" panose="020B0604020202020204" pitchFamily="34" charset="0"/>
+              </a:rPr>
+              <a:t>Change the point size, symbol shape and color here</a:t>
+            </a:r>
+            <a:endParaRPr lang="zh-CN" altLang="en-US" sz="1200" dirty="0">
+              <a:solidFill>
+                <a:srgbClr val="FF0000"/>
+              </a:solidFill>
+              <a:latin typeface="Arial" panose="020B0604020202020204" pitchFamily="34" charset="0"/>
+              <a:cs typeface="Arial" panose="020B0604020202020204" pitchFamily="34" charset="0"/>
+            </a:endParaRPr>
+          </a:p>
+        </p:txBody>
+      </p:sp>
+      <p:sp>
+        <p:nvSpPr>
+          <p:cNvPr id="13" name="文本框 12">
+            <a:extLst>
+              <a:ext uri="{FF2B5EF4-FFF2-40B4-BE49-F238E27FC236}">
+                <a16:creationId xmlns:a16="http://schemas.microsoft.com/office/drawing/2014/main" id="{6322199B-FE65-E032-2B27-21093F5A57CD}"/>
+              </a:ext>
+            </a:extLst>
+          </p:cNvPr>
+          <p:cNvSpPr txBox="1"/>
+          <p:nvPr/>
+        </p:nvSpPr>
+        <p:spPr>
+          <a:xfrm>
+            <a:off x="3129826" y="5199011"/>
+            <a:ext cx="2536329" cy="830997"/>
+          </a:xfrm>
+          <a:prstGeom prst="rect">
+            <a:avLst/>
+          </a:prstGeom>
+          <a:noFill/>
+        </p:spPr>
+        <p:txBody>
+          <a:bodyPr wrap="square" rtlCol="0">
+            <a:spAutoFit/>
+          </a:bodyPr>
+          <a:lstStyle/>
+          <a:p>
+            <a:r>
+              <a:rPr lang="en-US" altLang="zh-CN" sz="1200" dirty="0">
+                <a:solidFill>
+                  <a:srgbClr val="FF0000"/>
+                </a:solidFill>
+                <a:latin typeface="Arial" panose="020B0604020202020204" pitchFamily="34" charset="0"/>
+                <a:cs typeface="Arial" panose="020B0604020202020204" pitchFamily="34" charset="0"/>
+              </a:rPr>
+              <a:t>These are the viewers. You can toggle visibility by clicking here (for coronal view, you can click here as well).</a:t>
+            </a:r>
+            <a:endParaRPr lang="zh-CN" altLang="en-US" sz="1200" dirty="0">
+              <a:solidFill>
+                <a:srgbClr val="FF0000"/>
+              </a:solidFill>
+              <a:latin typeface="Arial" panose="020B0604020202020204" pitchFamily="34" charset="0"/>
+              <a:cs typeface="Arial" panose="020B0604020202020204" pitchFamily="34" charset="0"/>
+            </a:endParaRPr>
+          </a:p>
+        </p:txBody>
+      </p:sp>
+      <p:sp>
+        <p:nvSpPr>
+          <p:cNvPr id="41" name="文本框 40">
+            <a:extLst>
+              <a:ext uri="{FF2B5EF4-FFF2-40B4-BE49-F238E27FC236}">
+                <a16:creationId xmlns:a16="http://schemas.microsoft.com/office/drawing/2014/main" id="{3F9B8923-778A-DFE2-92D2-9F67BB6C40E6}"/>
+              </a:ext>
+            </a:extLst>
+          </p:cNvPr>
+          <p:cNvSpPr txBox="1"/>
+          <p:nvPr/>
+        </p:nvSpPr>
+        <p:spPr>
+          <a:xfrm>
+            <a:off x="7296789" y="5932922"/>
+            <a:ext cx="1669241" cy="461665"/>
+          </a:xfrm>
+          <a:prstGeom prst="rect">
+            <a:avLst/>
+          </a:prstGeom>
+          <a:noFill/>
+        </p:spPr>
+        <p:txBody>
+          <a:bodyPr wrap="square" rtlCol="0">
+            <a:spAutoFit/>
+          </a:bodyPr>
+          <a:lstStyle/>
+          <a:p>
+            <a:pPr algn="ctr"/>
+            <a:r>
+              <a:rPr lang="en-US" altLang="zh-CN" sz="1200" b="1" dirty="0">
+                <a:solidFill>
+                  <a:schemeClr val="bg1"/>
+                </a:solidFill>
+                <a:latin typeface="Arial" panose="020B0604020202020204" pitchFamily="34" charset="0"/>
+                <a:cs typeface="Arial" panose="020B0604020202020204" pitchFamily="34" charset="0"/>
+              </a:rPr>
+              <a:t>Main view for the spin MRI image</a:t>
+            </a:r>
+            <a:endParaRPr lang="zh-CN" altLang="en-US" sz="1200" b="1" dirty="0">
+              <a:solidFill>
+                <a:schemeClr val="bg1"/>
+              </a:solidFill>
+              <a:latin typeface="Arial" panose="020B0604020202020204" pitchFamily="34" charset="0"/>
+              <a:cs typeface="Arial" panose="020B0604020202020204" pitchFamily="34" charset="0"/>
+            </a:endParaRPr>
+          </a:p>
+        </p:txBody>
+      </p:sp>
+      <p:pic>
+        <p:nvPicPr>
+          <p:cNvPr id="44" name="图片 43">
+            <a:extLst>
+              <a:ext uri="{FF2B5EF4-FFF2-40B4-BE49-F238E27FC236}">
+                <a16:creationId xmlns:a16="http://schemas.microsoft.com/office/drawing/2014/main" id="{6B19E998-911E-65B2-9AE0-1E5AB565A74F}"/>
+              </a:ext>
+            </a:extLst>
+          </p:cNvPr>
+          <p:cNvPicPr>
+            <a:picLocks noChangeAspect="1"/>
+          </p:cNvPicPr>
+          <p:nvPr/>
+        </p:nvPicPr>
+        <p:blipFill>
+          <a:blip r:embed="rId4"/>
+          <a:stretch>
+            <a:fillRect/>
+          </a:stretch>
+        </p:blipFill>
+        <p:spPr>
+          <a:xfrm>
+            <a:off x="3201945" y="855608"/>
+            <a:ext cx="2247900" cy="581025"/>
+          </a:xfrm>
+          <a:prstGeom prst="rect">
+            <a:avLst/>
+          </a:prstGeom>
+          <a:ln>
+            <a:solidFill>
+              <a:schemeClr val="bg1"/>
+            </a:solidFill>
+          </a:ln>
+        </p:spPr>
+      </p:pic>
+      <p:sp>
+        <p:nvSpPr>
+          <p:cNvPr id="46" name="文本框 45">
+            <a:extLst>
+              <a:ext uri="{FF2B5EF4-FFF2-40B4-BE49-F238E27FC236}">
+                <a16:creationId xmlns:a16="http://schemas.microsoft.com/office/drawing/2014/main" id="{D05648A0-8904-67A6-C507-B43B01F2E73E}"/>
+              </a:ext>
+            </a:extLst>
+          </p:cNvPr>
+          <p:cNvSpPr txBox="1"/>
+          <p:nvPr/>
+        </p:nvSpPr>
+        <p:spPr>
+          <a:xfrm>
+            <a:off x="3407555" y="1447673"/>
+            <a:ext cx="1547903" cy="276999"/>
+          </a:xfrm>
+          <a:prstGeom prst="rect">
+            <a:avLst/>
+          </a:prstGeom>
+          <a:noFill/>
+        </p:spPr>
+        <p:txBody>
+          <a:bodyPr wrap="square" rtlCol="0">
+            <a:spAutoFit/>
+          </a:bodyPr>
+          <a:lstStyle/>
+          <a:p>
+            <a:r>
+              <a:rPr lang="en-US" altLang="zh-CN" sz="1200" dirty="0">
+                <a:solidFill>
+                  <a:srgbClr val="FF0000"/>
+                </a:solidFill>
+                <a:latin typeface="Arial" panose="020B0604020202020204" pitchFamily="34" charset="0"/>
+                <a:cs typeface="Arial" panose="020B0604020202020204" pitchFamily="34" charset="0"/>
+              </a:rPr>
+              <a:t>Other functions</a:t>
+            </a:r>
+            <a:endParaRPr lang="zh-CN" altLang="en-US" sz="1200" dirty="0">
+              <a:solidFill>
+                <a:srgbClr val="FF0000"/>
+              </a:solidFill>
+              <a:latin typeface="Arial" panose="020B0604020202020204" pitchFamily="34" charset="0"/>
+              <a:cs typeface="Arial" panose="020B0604020202020204" pitchFamily="34" charset="0"/>
+            </a:endParaRPr>
+          </a:p>
+        </p:txBody>
+      </p:sp>
+    </p:spTree>
+    <p:extLst>
+      <p:ext uri="{BB962C8B-B14F-4D97-AF65-F5344CB8AC3E}">
+        <p14:creationId xmlns:p14="http://schemas.microsoft.com/office/powerpoint/2010/main" val="253858619"/>
+      </p:ext>
+    </p:extLst>
+  </p:cSld>
+  <p:clrMapOvr>
+    <a:masterClrMapping/>
+  </p:clrMapOvr>
+</p:sld>
+</file>
+
+<file path=ppt/slides/slide3.xml><?xml version="1.0" encoding="utf-8"?>
+<p:sld xmlns:a="http://schemas.openxmlformats.org/drawingml/2006/main" xmlns:r="http://schemas.openxmlformats.org/officeDocument/2006/relationships" xmlns:p="http://schemas.openxmlformats.org/presentationml/2006/main">
+  <p:cSld>
+    <p:bg>
+      <p:bgPr>
+        <a:solidFill>
+          <a:srgbClr val="262930"/>
+        </a:solidFill>
+        <a:effectLst/>
+      </p:bgPr>
+    </p:bg>
+    <p:spTree>
+      <p:nvGrpSpPr>
+        <p:cNvPr id="1" name="">
+          <a:extLst>
+            <a:ext uri="{FF2B5EF4-FFF2-40B4-BE49-F238E27FC236}">
+              <a16:creationId xmlns:a16="http://schemas.microsoft.com/office/drawing/2014/main" id="{BE16655E-E4AD-1710-91FA-882A86AEC36B}"/>
+            </a:ext>
+          </a:extLst>
+        </p:cNvPr>
+        <p:cNvGrpSpPr/>
+        <p:nvPr/>
+      </p:nvGrpSpPr>
+      <p:grpSpPr>
+        <a:xfrm>
+          <a:off x="0" y="0"/>
+          <a:ext cx="0" cy="0"/>
+          <a:chOff x="0" y="0"/>
+          <a:chExt cx="0" cy="0"/>
+        </a:xfrm>
+      </p:grpSpPr>
+      <p:pic>
+        <p:nvPicPr>
+          <p:cNvPr id="3" name="图片 2">
+            <a:extLst>
+              <a:ext uri="{FF2B5EF4-FFF2-40B4-BE49-F238E27FC236}">
+                <a16:creationId xmlns:a16="http://schemas.microsoft.com/office/drawing/2014/main" id="{F8F53C12-64A9-5210-7E6E-FB8C9216A422}"/>
+              </a:ext>
+            </a:extLst>
+          </p:cNvPr>
+          <p:cNvPicPr>
+            <a:picLocks noChangeAspect="1"/>
+          </p:cNvPicPr>
+          <p:nvPr/>
+        </p:nvPicPr>
+        <p:blipFill>
+          <a:blip r:embed="rId2"/>
+          <a:stretch>
+            <a:fillRect/>
+          </a:stretch>
+        </p:blipFill>
+        <p:spPr>
+          <a:xfrm>
+            <a:off x="608313" y="-29469"/>
+            <a:ext cx="10975373" cy="6858000"/>
+          </a:xfrm>
+          <a:prstGeom prst="rect">
+            <a:avLst/>
+          </a:prstGeom>
+        </p:spPr>
+      </p:pic>
+      <p:sp>
+        <p:nvSpPr>
+          <p:cNvPr id="4" name="文本框 3">
+            <a:extLst>
+              <a:ext uri="{FF2B5EF4-FFF2-40B4-BE49-F238E27FC236}">
+                <a16:creationId xmlns:a16="http://schemas.microsoft.com/office/drawing/2014/main" id="{6C8628C0-4D7A-7F1E-C010-6A9A774C2A7B}"/>
+              </a:ext>
+            </a:extLst>
+          </p:cNvPr>
+          <p:cNvSpPr txBox="1"/>
+          <p:nvPr/>
+        </p:nvSpPr>
+        <p:spPr>
+          <a:xfrm>
+            <a:off x="3316156" y="264330"/>
+            <a:ext cx="5717379" cy="646331"/>
+          </a:xfrm>
+          <a:prstGeom prst="rect">
+            <a:avLst/>
+          </a:prstGeom>
+          <a:noFill/>
+        </p:spPr>
+        <p:txBody>
+          <a:bodyPr wrap="square" rtlCol="0">
+            <a:spAutoFit/>
+          </a:bodyPr>
+          <a:lstStyle/>
+          <a:p>
+            <a:r>
+              <a:rPr lang="en-US" altLang="zh-CN" sz="1200" b="1" dirty="0">
+                <a:solidFill>
+                  <a:srgbClr val="FF0000"/>
+                </a:solidFill>
+                <a:latin typeface="Arial" panose="020B0604020202020204" pitchFamily="34" charset="0"/>
+                <a:cs typeface="Arial" panose="020B0604020202020204" pitchFamily="34" charset="0"/>
+              </a:rPr>
+              <a:t>ANNOTATION MODE</a:t>
+            </a:r>
+            <a:r>
+              <a:rPr lang="en-US" altLang="zh-CN" sz="1200" dirty="0">
+                <a:solidFill>
+                  <a:srgbClr val="FF0000"/>
+                </a:solidFill>
+                <a:latin typeface="Arial" panose="020B0604020202020204" pitchFamily="34" charset="0"/>
+                <a:cs typeface="Arial" panose="020B0604020202020204" pitchFamily="34" charset="0"/>
+              </a:rPr>
+              <a:t>:</a:t>
+            </a:r>
+          </a:p>
+          <a:p>
+            <a:r>
+              <a:rPr lang="en-US" altLang="zh-CN" sz="1200" u="sng" dirty="0">
+                <a:solidFill>
+                  <a:srgbClr val="FF0000"/>
+                </a:solidFill>
+                <a:latin typeface="Arial" panose="020B0604020202020204" pitchFamily="34" charset="0"/>
+                <a:cs typeface="Arial" panose="020B0604020202020204" pitchFamily="34" charset="0"/>
+              </a:rPr>
+              <a:t>Press the “B" key </a:t>
+            </a:r>
+            <a:r>
+              <a:rPr lang="en-US" altLang="zh-CN" sz="1200" dirty="0">
+                <a:solidFill>
+                  <a:srgbClr val="FF0000"/>
+                </a:solidFill>
+                <a:latin typeface="Arial" panose="020B0604020202020204" pitchFamily="34" charset="0"/>
+                <a:cs typeface="Arial" panose="020B0604020202020204" pitchFamily="34" charset="0"/>
+              </a:rPr>
+              <a:t>to enter annotation </a:t>
+            </a:r>
+            <a:r>
+              <a:rPr lang="en-US" altLang="zh-CN" sz="1200" u="sng" dirty="0">
+                <a:solidFill>
+                  <a:srgbClr val="FF0000"/>
+                </a:solidFill>
+                <a:latin typeface="Arial" panose="020B0604020202020204" pitchFamily="34" charset="0"/>
+                <a:cs typeface="Arial" panose="020B0604020202020204" pitchFamily="34" charset="0"/>
+              </a:rPr>
+              <a:t>mode</a:t>
+            </a:r>
+            <a:r>
+              <a:rPr lang="en-US" altLang="zh-CN" sz="1200" dirty="0">
+                <a:solidFill>
+                  <a:srgbClr val="FF0000"/>
+                </a:solidFill>
+                <a:latin typeface="Arial" panose="020B0604020202020204" pitchFamily="34" charset="0"/>
+                <a:cs typeface="Arial" panose="020B0604020202020204" pitchFamily="34" charset="0"/>
+              </a:rPr>
+              <a:t>. </a:t>
+            </a:r>
+            <a:r>
+              <a:rPr lang="en-US" altLang="zh-CN" sz="1200" u="sng" dirty="0">
+                <a:solidFill>
+                  <a:srgbClr val="FF0000"/>
+                </a:solidFill>
+                <a:latin typeface="Arial" panose="020B0604020202020204" pitchFamily="34" charset="0"/>
+                <a:cs typeface="Arial" panose="020B0604020202020204" pitchFamily="34" charset="0"/>
+              </a:rPr>
+              <a:t>Press “B" again to exit annotation mode</a:t>
+            </a:r>
+            <a:r>
+              <a:rPr lang="en-US" altLang="zh-CN" sz="1200" dirty="0">
+                <a:solidFill>
+                  <a:srgbClr val="FF0000"/>
+                </a:solidFill>
+                <a:latin typeface="Arial" panose="020B0604020202020204" pitchFamily="34" charset="0"/>
+                <a:cs typeface="Arial" panose="020B0604020202020204" pitchFamily="34" charset="0"/>
+              </a:rPr>
+              <a:t>. </a:t>
+            </a:r>
+            <a:endParaRPr lang="zh-CN" altLang="en-US" sz="1200" dirty="0">
+              <a:solidFill>
+                <a:srgbClr val="FF0000"/>
+              </a:solidFill>
+              <a:latin typeface="Arial" panose="020B0604020202020204" pitchFamily="34" charset="0"/>
+              <a:cs typeface="Arial" panose="020B0604020202020204" pitchFamily="34" charset="0"/>
+            </a:endParaRPr>
+          </a:p>
+        </p:txBody>
+      </p:sp>
+      <p:sp>
+        <p:nvSpPr>
+          <p:cNvPr id="6" name="矩形 5">
+            <a:extLst>
+              <a:ext uri="{FF2B5EF4-FFF2-40B4-BE49-F238E27FC236}">
+                <a16:creationId xmlns:a16="http://schemas.microsoft.com/office/drawing/2014/main" id="{2AE06012-FF05-FF26-0074-0ED1405D55D8}"/>
+              </a:ext>
+            </a:extLst>
+          </p:cNvPr>
+          <p:cNvSpPr/>
+          <p:nvPr/>
+        </p:nvSpPr>
+        <p:spPr>
+          <a:xfrm>
+            <a:off x="3699449" y="1804864"/>
+            <a:ext cx="5426140" cy="4033978"/>
+          </a:xfrm>
+          <a:prstGeom prst="rect">
+            <a:avLst/>
+          </a:prstGeom>
+          <a:noFill/>
+          <a:ln>
+            <a:solidFill>
+              <a:schemeClr val="bg1"/>
+            </a:solidFill>
+          </a:ln>
+        </p:spPr>
+        <p:style>
+          <a:lnRef idx="2">
+            <a:schemeClr val="accent1">
+              <a:shade val="15000"/>
+            </a:schemeClr>
+          </a:lnRef>
+          <a:fillRef idx="1">
+            <a:schemeClr val="accent1"/>
+          </a:fillRef>
+          <a:effectRef idx="0">
+            <a:schemeClr val="accent1"/>
+          </a:effectRef>
+          <a:fontRef idx="minor">
+            <a:schemeClr val="lt1"/>
+          </a:fontRef>
+        </p:style>
+        <p:txBody>
+          <a:bodyPr rtlCol="0" anchor="ctr"/>
+          <a:lstStyle/>
+          <a:p>
+            <a:pPr algn="ctr"/>
+            <a:endParaRPr lang="zh-CN" altLang="en-US"/>
+          </a:p>
+        </p:txBody>
+      </p:sp>
+      <p:sp>
+        <p:nvSpPr>
+          <p:cNvPr id="7" name="文本框 6">
+            <a:extLst>
+              <a:ext uri="{FF2B5EF4-FFF2-40B4-BE49-F238E27FC236}">
+                <a16:creationId xmlns:a16="http://schemas.microsoft.com/office/drawing/2014/main" id="{3CD9C934-4475-1B2B-5C74-7A1066390798}"/>
+              </a:ext>
+            </a:extLst>
+          </p:cNvPr>
+          <p:cNvSpPr txBox="1"/>
+          <p:nvPr/>
+        </p:nvSpPr>
+        <p:spPr>
+          <a:xfrm>
+            <a:off x="7296789" y="5932922"/>
+            <a:ext cx="1669241" cy="461665"/>
+          </a:xfrm>
+          <a:prstGeom prst="rect">
+            <a:avLst/>
+          </a:prstGeom>
+          <a:noFill/>
+        </p:spPr>
+        <p:txBody>
+          <a:bodyPr wrap="square" rtlCol="0">
+            <a:spAutoFit/>
+          </a:bodyPr>
+          <a:lstStyle/>
+          <a:p>
+            <a:pPr algn="ctr"/>
+            <a:r>
+              <a:rPr lang="en-US" altLang="zh-CN" sz="1200" b="1" dirty="0">
+                <a:solidFill>
+                  <a:schemeClr val="bg1"/>
+                </a:solidFill>
+                <a:latin typeface="Arial" panose="020B0604020202020204" pitchFamily="34" charset="0"/>
+                <a:cs typeface="Arial" panose="020B0604020202020204" pitchFamily="34" charset="0"/>
+              </a:rPr>
+              <a:t>Main view for the spin MRI image</a:t>
+            </a:r>
+            <a:endParaRPr lang="zh-CN" altLang="en-US" sz="1200" b="1" dirty="0">
+              <a:solidFill>
+                <a:schemeClr val="bg1"/>
+              </a:solidFill>
+              <a:latin typeface="Arial" panose="020B0604020202020204" pitchFamily="34" charset="0"/>
+              <a:cs typeface="Arial" panose="020B0604020202020204" pitchFamily="34" charset="0"/>
+            </a:endParaRPr>
+          </a:p>
+        </p:txBody>
+      </p:sp>
+      <p:sp>
+        <p:nvSpPr>
+          <p:cNvPr id="8" name="文本框 7">
+            <a:extLst>
+              <a:ext uri="{FF2B5EF4-FFF2-40B4-BE49-F238E27FC236}">
+                <a16:creationId xmlns:a16="http://schemas.microsoft.com/office/drawing/2014/main" id="{1D1D5AB0-47B5-897E-8B63-D3776096D13B}"/>
+              </a:ext>
+            </a:extLst>
+          </p:cNvPr>
+          <p:cNvSpPr txBox="1"/>
+          <p:nvPr/>
+        </p:nvSpPr>
+        <p:spPr>
+          <a:xfrm>
+            <a:off x="3365299" y="5947339"/>
+            <a:ext cx="1966837" cy="646331"/>
+          </a:xfrm>
+          <a:prstGeom prst="rect">
+            <a:avLst/>
+          </a:prstGeom>
+          <a:noFill/>
+        </p:spPr>
+        <p:txBody>
+          <a:bodyPr wrap="square" rtlCol="0">
+            <a:spAutoFit/>
+          </a:bodyPr>
+          <a:lstStyle/>
+          <a:p>
+            <a:r>
+              <a:rPr lang="en-US" altLang="zh-CN" sz="1200" dirty="0">
+                <a:solidFill>
+                  <a:srgbClr val="FFC000"/>
+                </a:solidFill>
+                <a:latin typeface="Arial" panose="020B0604020202020204" pitchFamily="34" charset="0"/>
+                <a:cs typeface="Arial" panose="020B0604020202020204" pitchFamily="34" charset="0"/>
+              </a:rPr>
+              <a:t>The lines can move as the x, y, z slicing index change</a:t>
+            </a:r>
+            <a:endParaRPr lang="zh-CN" altLang="en-US" sz="1200" dirty="0">
+              <a:solidFill>
+                <a:srgbClr val="FFC000"/>
+              </a:solidFill>
+              <a:latin typeface="Arial" panose="020B0604020202020204" pitchFamily="34" charset="0"/>
+              <a:cs typeface="Arial" panose="020B0604020202020204" pitchFamily="34" charset="0"/>
+            </a:endParaRPr>
+          </a:p>
+        </p:txBody>
+      </p:sp>
+      <p:cxnSp>
+        <p:nvCxnSpPr>
+          <p:cNvPr id="9" name="连接符: 曲线 8">
+            <a:extLst>
+              <a:ext uri="{FF2B5EF4-FFF2-40B4-BE49-F238E27FC236}">
+                <a16:creationId xmlns:a16="http://schemas.microsoft.com/office/drawing/2014/main" id="{7E0B7FA9-0C21-1E6A-915A-70F8E5DE81C3}"/>
+              </a:ext>
+            </a:extLst>
+          </p:cNvPr>
+          <p:cNvCxnSpPr>
+            <a:cxnSpLocks/>
+          </p:cNvCxnSpPr>
+          <p:nvPr/>
+        </p:nvCxnSpPr>
+        <p:spPr>
+          <a:xfrm flipV="1">
+            <a:off x="3590096" y="5510948"/>
+            <a:ext cx="583005" cy="374351"/>
+          </a:xfrm>
+          <a:prstGeom prst="curvedConnector3">
+            <a:avLst>
+              <a:gd name="adj1" fmla="val 50000"/>
+            </a:avLst>
+          </a:prstGeom>
+          <a:ln w="12700">
+            <a:solidFill>
+              <a:srgbClr val="FFC000"/>
+            </a:solidFill>
+            <a:tailEnd type="triangle"/>
+          </a:ln>
+        </p:spPr>
+        <p:style>
+          <a:lnRef idx="1">
+            <a:schemeClr val="accent1"/>
+          </a:lnRef>
+          <a:fillRef idx="0">
+            <a:schemeClr val="accent1"/>
+          </a:fillRef>
+          <a:effectRef idx="0">
+            <a:schemeClr val="accent1"/>
+          </a:effectRef>
+          <a:fontRef idx="minor">
+            <a:schemeClr val="tx1"/>
+          </a:fontRef>
+        </p:style>
+      </p:cxnSp>
+      <p:cxnSp>
+        <p:nvCxnSpPr>
+          <p:cNvPr id="12" name="连接符: 曲线 11">
+            <a:extLst>
+              <a:ext uri="{FF2B5EF4-FFF2-40B4-BE49-F238E27FC236}">
+                <a16:creationId xmlns:a16="http://schemas.microsoft.com/office/drawing/2014/main" id="{92BC249E-C1FA-D420-5319-40EBC3B9BC58}"/>
+              </a:ext>
+            </a:extLst>
+          </p:cNvPr>
+          <p:cNvCxnSpPr>
+            <a:cxnSpLocks/>
+          </p:cNvCxnSpPr>
+          <p:nvPr/>
+        </p:nvCxnSpPr>
+        <p:spPr>
+          <a:xfrm flipV="1">
+            <a:off x="3590096" y="3841707"/>
+            <a:ext cx="2233834" cy="2043592"/>
+          </a:xfrm>
+          <a:prstGeom prst="curvedConnector3">
+            <a:avLst>
+              <a:gd name="adj1" fmla="val 76099"/>
+            </a:avLst>
+          </a:prstGeom>
+          <a:ln w="12700">
+            <a:solidFill>
+              <a:srgbClr val="FFC000"/>
+            </a:solidFill>
+            <a:tailEnd type="triangle"/>
+          </a:ln>
+        </p:spPr>
+        <p:style>
+          <a:lnRef idx="1">
+            <a:schemeClr val="accent1"/>
+          </a:lnRef>
+          <a:fillRef idx="0">
+            <a:schemeClr val="accent1"/>
+          </a:fillRef>
+          <a:effectRef idx="0">
+            <a:schemeClr val="accent1"/>
+          </a:effectRef>
+          <a:fontRef idx="minor">
+            <a:schemeClr val="tx1"/>
+          </a:fontRef>
+        </p:style>
+      </p:cxnSp>
+      <p:sp>
+        <p:nvSpPr>
+          <p:cNvPr id="18" name="文本框 17">
+            <a:extLst>
+              <a:ext uri="{FF2B5EF4-FFF2-40B4-BE49-F238E27FC236}">
+                <a16:creationId xmlns:a16="http://schemas.microsoft.com/office/drawing/2014/main" id="{7AD012EA-18EB-DADA-EFE8-0541F8680F67}"/>
+              </a:ext>
+            </a:extLst>
+          </p:cNvPr>
+          <p:cNvSpPr txBox="1"/>
+          <p:nvPr/>
+        </p:nvSpPr>
+        <p:spPr>
+          <a:xfrm>
+            <a:off x="6572634" y="958574"/>
+            <a:ext cx="2393396" cy="461665"/>
+          </a:xfrm>
+          <a:prstGeom prst="rect">
+            <a:avLst/>
+          </a:prstGeom>
+          <a:noFill/>
+        </p:spPr>
+        <p:txBody>
+          <a:bodyPr wrap="square" rtlCol="0">
+            <a:spAutoFit/>
+          </a:bodyPr>
+          <a:lstStyle/>
+          <a:p>
+            <a:pPr algn="r"/>
+            <a:r>
+              <a:rPr lang="en-US" altLang="zh-CN" sz="1200" dirty="0">
+                <a:solidFill>
+                  <a:srgbClr val="039AAB"/>
+                </a:solidFill>
+                <a:latin typeface="Arial" panose="020B0604020202020204" pitchFamily="34" charset="0"/>
+                <a:cs typeface="Arial" panose="020B0604020202020204" pitchFamily="34" charset="0"/>
+              </a:rPr>
+              <a:t>annotation rectangle will be saved the information here</a:t>
+            </a:r>
+            <a:endParaRPr lang="zh-CN" altLang="en-US" sz="1200" dirty="0">
+              <a:solidFill>
+                <a:srgbClr val="039AAB"/>
+              </a:solidFill>
+              <a:latin typeface="Arial" panose="020B0604020202020204" pitchFamily="34" charset="0"/>
+              <a:cs typeface="Arial" panose="020B0604020202020204" pitchFamily="34" charset="0"/>
+            </a:endParaRPr>
+          </a:p>
+        </p:txBody>
+      </p:sp>
+      <p:sp>
+        <p:nvSpPr>
+          <p:cNvPr id="19" name="矩形 18">
+            <a:extLst>
+              <a:ext uri="{FF2B5EF4-FFF2-40B4-BE49-F238E27FC236}">
+                <a16:creationId xmlns:a16="http://schemas.microsoft.com/office/drawing/2014/main" id="{A7647BCA-FCA6-D47B-196C-D9B8156DE4BC}"/>
+              </a:ext>
+            </a:extLst>
+          </p:cNvPr>
+          <p:cNvSpPr/>
+          <p:nvPr/>
+        </p:nvSpPr>
+        <p:spPr>
+          <a:xfrm>
+            <a:off x="675955" y="200050"/>
+            <a:ext cx="2539787" cy="2015375"/>
+          </a:xfrm>
+          <a:prstGeom prst="rect">
+            <a:avLst/>
+          </a:prstGeom>
+          <a:noFill/>
+          <a:ln>
+            <a:solidFill>
+              <a:srgbClr val="FF0000"/>
+            </a:solidFill>
+          </a:ln>
+        </p:spPr>
+        <p:style>
+          <a:lnRef idx="2">
+            <a:schemeClr val="accent1">
+              <a:shade val="15000"/>
+            </a:schemeClr>
+          </a:lnRef>
+          <a:fillRef idx="1">
+            <a:schemeClr val="accent1"/>
+          </a:fillRef>
+          <a:effectRef idx="0">
+            <a:schemeClr val="accent1"/>
+          </a:effectRef>
+          <a:fontRef idx="minor">
+            <a:schemeClr val="lt1"/>
+          </a:fontRef>
+        </p:style>
+        <p:txBody>
+          <a:bodyPr rtlCol="0" anchor="ctr"/>
+          <a:lstStyle/>
+          <a:p>
+            <a:pPr algn="ctr"/>
+            <a:endParaRPr lang="zh-CN" altLang="en-US"/>
+          </a:p>
+        </p:txBody>
+      </p:sp>
+      <p:sp>
+        <p:nvSpPr>
+          <p:cNvPr id="20" name="矩形 19">
+            <a:extLst>
+              <a:ext uri="{FF2B5EF4-FFF2-40B4-BE49-F238E27FC236}">
+                <a16:creationId xmlns:a16="http://schemas.microsoft.com/office/drawing/2014/main" id="{60F90558-05B2-865D-14E8-623E7D1AB3A3}"/>
+              </a:ext>
+            </a:extLst>
+          </p:cNvPr>
+          <p:cNvSpPr/>
+          <p:nvPr/>
+        </p:nvSpPr>
+        <p:spPr>
+          <a:xfrm>
+            <a:off x="9234942" y="4915667"/>
+            <a:ext cx="2458097" cy="810073"/>
+          </a:xfrm>
+          <a:prstGeom prst="rect">
+            <a:avLst/>
+          </a:prstGeom>
+          <a:noFill/>
+          <a:ln>
+            <a:solidFill>
+              <a:srgbClr val="FF0000"/>
+            </a:solidFill>
+          </a:ln>
+        </p:spPr>
+        <p:style>
+          <a:lnRef idx="2">
+            <a:schemeClr val="accent1">
+              <a:shade val="15000"/>
+            </a:schemeClr>
+          </a:lnRef>
+          <a:fillRef idx="1">
+            <a:schemeClr val="accent1"/>
+          </a:fillRef>
+          <a:effectRef idx="0">
+            <a:schemeClr val="accent1"/>
+          </a:effectRef>
+          <a:fontRef idx="minor">
+            <a:schemeClr val="lt1"/>
+          </a:fontRef>
+        </p:style>
+        <p:txBody>
+          <a:bodyPr rtlCol="0" anchor="ctr"/>
+          <a:lstStyle/>
+          <a:p>
+            <a:pPr algn="ctr"/>
+            <a:endParaRPr lang="zh-CN" altLang="en-US"/>
+          </a:p>
+        </p:txBody>
+      </p:sp>
+      <p:sp>
+        <p:nvSpPr>
+          <p:cNvPr id="21" name="文本框 20">
+            <a:extLst>
+              <a:ext uri="{FF2B5EF4-FFF2-40B4-BE49-F238E27FC236}">
+                <a16:creationId xmlns:a16="http://schemas.microsoft.com/office/drawing/2014/main" id="{09C5A298-1E43-CCBD-B15B-C01A729E970D}"/>
+              </a:ext>
+            </a:extLst>
+          </p:cNvPr>
+          <p:cNvSpPr txBox="1"/>
+          <p:nvPr/>
+        </p:nvSpPr>
+        <p:spPr>
+          <a:xfrm>
+            <a:off x="9342602" y="4586504"/>
+            <a:ext cx="2393396" cy="276999"/>
+          </a:xfrm>
+          <a:prstGeom prst="rect">
+            <a:avLst/>
+          </a:prstGeom>
+          <a:noFill/>
+        </p:spPr>
+        <p:txBody>
+          <a:bodyPr wrap="square" rtlCol="0">
+            <a:spAutoFit/>
+          </a:bodyPr>
+          <a:lstStyle/>
+          <a:p>
+            <a:pPr algn="r"/>
+            <a:r>
+              <a:rPr lang="en-US" altLang="zh-CN" sz="1200" dirty="0">
+                <a:solidFill>
+                  <a:srgbClr val="FF0000"/>
+                </a:solidFill>
+                <a:latin typeface="Arial" panose="020B0604020202020204" pitchFamily="34" charset="0"/>
+                <a:cs typeface="Arial" panose="020B0604020202020204" pitchFamily="34" charset="0"/>
+              </a:rPr>
+              <a:t>Add annotation</a:t>
+            </a:r>
+            <a:endParaRPr lang="zh-CN" altLang="en-US" sz="1200" dirty="0">
+              <a:solidFill>
+                <a:srgbClr val="FF0000"/>
+              </a:solidFill>
+              <a:latin typeface="Arial" panose="020B0604020202020204" pitchFamily="34" charset="0"/>
+              <a:cs typeface="Arial" panose="020B0604020202020204" pitchFamily="34" charset="0"/>
+            </a:endParaRPr>
+          </a:p>
+        </p:txBody>
+      </p:sp>
+      <p:sp>
+        <p:nvSpPr>
+          <p:cNvPr id="22" name="矩形 21">
+            <a:extLst>
+              <a:ext uri="{FF2B5EF4-FFF2-40B4-BE49-F238E27FC236}">
+                <a16:creationId xmlns:a16="http://schemas.microsoft.com/office/drawing/2014/main" id="{1B2EA144-22F5-6A9B-5566-6B8B39ECF550}"/>
+              </a:ext>
+            </a:extLst>
+          </p:cNvPr>
+          <p:cNvSpPr/>
+          <p:nvPr/>
+        </p:nvSpPr>
+        <p:spPr>
+          <a:xfrm>
+            <a:off x="9234942" y="5777904"/>
+            <a:ext cx="2458097" cy="810073"/>
+          </a:xfrm>
+          <a:prstGeom prst="rect">
+            <a:avLst/>
+          </a:prstGeom>
+          <a:noFill/>
+          <a:ln>
+            <a:solidFill>
+              <a:srgbClr val="FF0000"/>
+            </a:solidFill>
+          </a:ln>
+        </p:spPr>
+        <p:style>
+          <a:lnRef idx="2">
+            <a:schemeClr val="accent1">
+              <a:shade val="15000"/>
+            </a:schemeClr>
+          </a:lnRef>
+          <a:fillRef idx="1">
+            <a:schemeClr val="accent1"/>
+          </a:fillRef>
+          <a:effectRef idx="0">
+            <a:schemeClr val="accent1"/>
+          </a:effectRef>
+          <a:fontRef idx="minor">
+            <a:schemeClr val="lt1"/>
+          </a:fontRef>
+        </p:style>
+        <p:txBody>
+          <a:bodyPr rtlCol="0" anchor="ctr"/>
+          <a:lstStyle/>
+          <a:p>
+            <a:pPr algn="ctr"/>
+            <a:endParaRPr lang="zh-CN" altLang="en-US"/>
+          </a:p>
+        </p:txBody>
+      </p:sp>
+      <p:sp>
+        <p:nvSpPr>
+          <p:cNvPr id="23" name="文本框 22">
+            <a:extLst>
+              <a:ext uri="{FF2B5EF4-FFF2-40B4-BE49-F238E27FC236}">
+                <a16:creationId xmlns:a16="http://schemas.microsoft.com/office/drawing/2014/main" id="{A4F0B475-02FB-FCD8-E671-1C7569645D70}"/>
+              </a:ext>
+            </a:extLst>
+          </p:cNvPr>
+          <p:cNvSpPr txBox="1"/>
+          <p:nvPr/>
+        </p:nvSpPr>
+        <p:spPr>
+          <a:xfrm>
+            <a:off x="9402859" y="6557669"/>
+            <a:ext cx="2393396" cy="276999"/>
+          </a:xfrm>
+          <a:prstGeom prst="rect">
+            <a:avLst/>
+          </a:prstGeom>
+          <a:noFill/>
+        </p:spPr>
+        <p:txBody>
+          <a:bodyPr wrap="square" rtlCol="0">
+            <a:spAutoFit/>
+          </a:bodyPr>
+          <a:lstStyle/>
+          <a:p>
+            <a:pPr algn="r"/>
+            <a:r>
+              <a:rPr lang="en-US" altLang="zh-CN" sz="1200" dirty="0">
+                <a:solidFill>
+                  <a:srgbClr val="FF0000"/>
+                </a:solidFill>
+                <a:latin typeface="Arial" panose="020B0604020202020204" pitchFamily="34" charset="0"/>
+                <a:cs typeface="Arial" panose="020B0604020202020204" pitchFamily="34" charset="0"/>
+              </a:rPr>
+              <a:t>AI command</a:t>
+            </a:r>
+            <a:endParaRPr lang="zh-CN" altLang="en-US" sz="1200" dirty="0">
+              <a:solidFill>
+                <a:srgbClr val="FF0000"/>
+              </a:solidFill>
+              <a:latin typeface="Arial" panose="020B0604020202020204" pitchFamily="34" charset="0"/>
+              <a:cs typeface="Arial" panose="020B0604020202020204" pitchFamily="34" charset="0"/>
+            </a:endParaRPr>
+          </a:p>
+        </p:txBody>
+      </p:sp>
+    </p:spTree>
+    <p:extLst>
+      <p:ext uri="{BB962C8B-B14F-4D97-AF65-F5344CB8AC3E}">
+        <p14:creationId xmlns:p14="http://schemas.microsoft.com/office/powerpoint/2010/main" val="1728734703"/>
       </p:ext>
     </p:extLst>
   </p:cSld>
